--- a/ppt 16-9/1120.在我很小的时.pptx
+++ b/ppt 16-9/1120.在我很小的时.pptx
@@ -5,7 +5,7 @@
     <p:sldMasterId id="2147483648" r:id="rId1"/>
   </p:sldMasterIdLst>
   <p:sldIdLst>
-    <p:sldId id="596" r:id="rId2"/>
+    <p:sldId id="598" r:id="rId2"/>
   </p:sldIdLst>
   <p:sldSz cx="12192000" cy="6858000"/>
   <p:notesSz cx="6858000" cy="9144000"/>
@@ -129,7 +129,7 @@
           <p:cNvPr id="2" name="标题 1">
             <a:extLst>
               <a:ext uri="{FF2B5EF4-FFF2-40B4-BE49-F238E27FC236}">
-                <a16:creationId xmlns:a16="http://schemas.microsoft.com/office/drawing/2014/main" id="{AAD34E67-CE89-996D-86F9-B14162DFF60D}"/>
+                <a16:creationId xmlns:a16="http://schemas.microsoft.com/office/drawing/2014/main" id="{E467F02C-782C-F4DC-07B8-D550A8240D83}"/>
               </a:ext>
             </a:extLst>
           </p:cNvPr>
@@ -166,7 +166,7 @@
           <p:cNvPr id="3" name="副标题 2">
             <a:extLst>
               <a:ext uri="{FF2B5EF4-FFF2-40B4-BE49-F238E27FC236}">
-                <a16:creationId xmlns:a16="http://schemas.microsoft.com/office/drawing/2014/main" id="{75857B21-F996-64F7-AE3A-34F0206FE00F}"/>
+                <a16:creationId xmlns:a16="http://schemas.microsoft.com/office/drawing/2014/main" id="{5498B4A7-2DAA-40F1-478A-E4F33362C733}"/>
               </a:ext>
             </a:extLst>
           </p:cNvPr>
@@ -236,7 +236,7 @@
           <p:cNvPr id="4" name="日期占位符 3">
             <a:extLst>
               <a:ext uri="{FF2B5EF4-FFF2-40B4-BE49-F238E27FC236}">
-                <a16:creationId xmlns:a16="http://schemas.microsoft.com/office/drawing/2014/main" id="{3906AD27-1B83-5506-49C3-0F99BF8FB5B6}"/>
+                <a16:creationId xmlns:a16="http://schemas.microsoft.com/office/drawing/2014/main" id="{45FC9B52-4D1C-0872-DDEF-5431C1A69CCF}"/>
               </a:ext>
             </a:extLst>
           </p:cNvPr>
@@ -252,7 +252,7 @@
           <a:bodyPr/>
           <a:lstStyle/>
           <a:p>
-            <a:fld id="{15DFD5D1-16E2-4281-8B78-27EDFA752C1E}" type="datetimeFigureOut">
+            <a:fld id="{47AC1DC3-E121-438A-B7EF-A644C7686673}" type="datetimeFigureOut">
               <a:rPr lang="zh-CN" altLang="en-US" smtClean="0"/>
               <a:t>2024/3/10</a:t>
             </a:fld>
@@ -265,7 +265,7 @@
           <p:cNvPr id="5" name="页脚占位符 4">
             <a:extLst>
               <a:ext uri="{FF2B5EF4-FFF2-40B4-BE49-F238E27FC236}">
-                <a16:creationId xmlns:a16="http://schemas.microsoft.com/office/drawing/2014/main" id="{EAE40F29-9045-4DB1-C145-718A0B2CBF77}"/>
+                <a16:creationId xmlns:a16="http://schemas.microsoft.com/office/drawing/2014/main" id="{97EC90DC-EC31-D0A2-DA21-47E792AA7214}"/>
               </a:ext>
             </a:extLst>
           </p:cNvPr>
@@ -290,7 +290,7 @@
           <p:cNvPr id="6" name="灯片编号占位符 5">
             <a:extLst>
               <a:ext uri="{FF2B5EF4-FFF2-40B4-BE49-F238E27FC236}">
-                <a16:creationId xmlns:a16="http://schemas.microsoft.com/office/drawing/2014/main" id="{46A2AC1F-3124-3052-DB6D-6C9E6742EAF8}"/>
+                <a16:creationId xmlns:a16="http://schemas.microsoft.com/office/drawing/2014/main" id="{CF902AE6-5F7A-9358-D83B-F7C2485ACE0E}"/>
               </a:ext>
             </a:extLst>
           </p:cNvPr>
@@ -306,7 +306,7 @@
           <a:bodyPr/>
           <a:lstStyle/>
           <a:p>
-            <a:fld id="{73D4F897-1E63-4F2A-86C0-954CF3875157}" type="slidenum">
+            <a:fld id="{D683684F-FF95-4E0C-87F3-8892C6320E6F}" type="slidenum">
               <a:rPr lang="zh-CN" altLang="en-US" smtClean="0"/>
               <a:t>‹#›</a:t>
             </a:fld>
@@ -317,7 +317,7 @@
     </p:spTree>
     <p:extLst>
       <p:ext uri="{BB962C8B-B14F-4D97-AF65-F5344CB8AC3E}">
-        <p14:creationId xmlns:p14="http://schemas.microsoft.com/office/powerpoint/2010/main" val="2180305613"/>
+        <p14:creationId xmlns:p14="http://schemas.microsoft.com/office/powerpoint/2010/main" val="2528720262"/>
       </p:ext>
     </p:extLst>
   </p:cSld>
@@ -349,7 +349,7 @@
           <p:cNvPr id="2" name="标题 1">
             <a:extLst>
               <a:ext uri="{FF2B5EF4-FFF2-40B4-BE49-F238E27FC236}">
-                <a16:creationId xmlns:a16="http://schemas.microsoft.com/office/drawing/2014/main" id="{5189E717-ABD3-E6E6-256F-8BFA490BF94A}"/>
+                <a16:creationId xmlns:a16="http://schemas.microsoft.com/office/drawing/2014/main" id="{915F219E-DD85-C747-C25D-C0706FF76EE4}"/>
               </a:ext>
             </a:extLst>
           </p:cNvPr>
@@ -377,7 +377,7 @@
           <p:cNvPr id="3" name="竖排文字占位符 2">
             <a:extLst>
               <a:ext uri="{FF2B5EF4-FFF2-40B4-BE49-F238E27FC236}">
-                <a16:creationId xmlns:a16="http://schemas.microsoft.com/office/drawing/2014/main" id="{A7C9AFBF-3F6E-ADA9-8E79-73788BF36446}"/>
+                <a16:creationId xmlns:a16="http://schemas.microsoft.com/office/drawing/2014/main" id="{4B9F70D7-EA2D-1BD3-D866-4158E99DB982}"/>
               </a:ext>
             </a:extLst>
           </p:cNvPr>
@@ -434,7 +434,7 @@
           <p:cNvPr id="4" name="日期占位符 3">
             <a:extLst>
               <a:ext uri="{FF2B5EF4-FFF2-40B4-BE49-F238E27FC236}">
-                <a16:creationId xmlns:a16="http://schemas.microsoft.com/office/drawing/2014/main" id="{C0947A8B-89CE-F29C-E623-629626F0DF49}"/>
+                <a16:creationId xmlns:a16="http://schemas.microsoft.com/office/drawing/2014/main" id="{8B4FD76D-B2E4-55F4-D3CC-5D1C8A471200}"/>
               </a:ext>
             </a:extLst>
           </p:cNvPr>
@@ -450,7 +450,7 @@
           <a:bodyPr/>
           <a:lstStyle/>
           <a:p>
-            <a:fld id="{15DFD5D1-16E2-4281-8B78-27EDFA752C1E}" type="datetimeFigureOut">
+            <a:fld id="{47AC1DC3-E121-438A-B7EF-A644C7686673}" type="datetimeFigureOut">
               <a:rPr lang="zh-CN" altLang="en-US" smtClean="0"/>
               <a:t>2024/3/10</a:t>
             </a:fld>
@@ -463,7 +463,7 @@
           <p:cNvPr id="5" name="页脚占位符 4">
             <a:extLst>
               <a:ext uri="{FF2B5EF4-FFF2-40B4-BE49-F238E27FC236}">
-                <a16:creationId xmlns:a16="http://schemas.microsoft.com/office/drawing/2014/main" id="{F5A08D17-9200-2C26-39AD-E0762CA0B075}"/>
+                <a16:creationId xmlns:a16="http://schemas.microsoft.com/office/drawing/2014/main" id="{246CFEA6-EB30-69A2-5A42-4CB57AA0D481}"/>
               </a:ext>
             </a:extLst>
           </p:cNvPr>
@@ -488,7 +488,7 @@
           <p:cNvPr id="6" name="灯片编号占位符 5">
             <a:extLst>
               <a:ext uri="{FF2B5EF4-FFF2-40B4-BE49-F238E27FC236}">
-                <a16:creationId xmlns:a16="http://schemas.microsoft.com/office/drawing/2014/main" id="{3727491F-BB64-1270-E582-E07C93E5F358}"/>
+                <a16:creationId xmlns:a16="http://schemas.microsoft.com/office/drawing/2014/main" id="{6C800629-3FD7-FC54-48E3-FEACD0561327}"/>
               </a:ext>
             </a:extLst>
           </p:cNvPr>
@@ -504,7 +504,7 @@
           <a:bodyPr/>
           <a:lstStyle/>
           <a:p>
-            <a:fld id="{73D4F897-1E63-4F2A-86C0-954CF3875157}" type="slidenum">
+            <a:fld id="{D683684F-FF95-4E0C-87F3-8892C6320E6F}" type="slidenum">
               <a:rPr lang="zh-CN" altLang="en-US" smtClean="0"/>
               <a:t>‹#›</a:t>
             </a:fld>
@@ -515,7 +515,7 @@
     </p:spTree>
     <p:extLst>
       <p:ext uri="{BB962C8B-B14F-4D97-AF65-F5344CB8AC3E}">
-        <p14:creationId xmlns:p14="http://schemas.microsoft.com/office/powerpoint/2010/main" val="3488076925"/>
+        <p14:creationId xmlns:p14="http://schemas.microsoft.com/office/powerpoint/2010/main" val="3499022276"/>
       </p:ext>
     </p:extLst>
   </p:cSld>
@@ -547,7 +547,7 @@
           <p:cNvPr id="2" name="竖排标题 1">
             <a:extLst>
               <a:ext uri="{FF2B5EF4-FFF2-40B4-BE49-F238E27FC236}">
-                <a16:creationId xmlns:a16="http://schemas.microsoft.com/office/drawing/2014/main" id="{8EE745B8-FBCB-6B70-8DE7-EFDB0768E520}"/>
+                <a16:creationId xmlns:a16="http://schemas.microsoft.com/office/drawing/2014/main" id="{A0DD3694-9A93-F572-7A64-7F94D9B4D2D8}"/>
               </a:ext>
             </a:extLst>
           </p:cNvPr>
@@ -580,7 +580,7 @@
           <p:cNvPr id="3" name="竖排文字占位符 2">
             <a:extLst>
               <a:ext uri="{FF2B5EF4-FFF2-40B4-BE49-F238E27FC236}">
-                <a16:creationId xmlns:a16="http://schemas.microsoft.com/office/drawing/2014/main" id="{7895BD33-669F-2A2B-A5A7-1BE41D1F311F}"/>
+                <a16:creationId xmlns:a16="http://schemas.microsoft.com/office/drawing/2014/main" id="{1D5E9B3B-45AC-DD0D-1F19-AE5353898C43}"/>
               </a:ext>
             </a:extLst>
           </p:cNvPr>
@@ -642,7 +642,7 @@
           <p:cNvPr id="4" name="日期占位符 3">
             <a:extLst>
               <a:ext uri="{FF2B5EF4-FFF2-40B4-BE49-F238E27FC236}">
-                <a16:creationId xmlns:a16="http://schemas.microsoft.com/office/drawing/2014/main" id="{AE1F1F09-2EBD-71BE-D98C-AD06167D5710}"/>
+                <a16:creationId xmlns:a16="http://schemas.microsoft.com/office/drawing/2014/main" id="{4423A697-42A9-5978-DE58-7E6C2B5A377D}"/>
               </a:ext>
             </a:extLst>
           </p:cNvPr>
@@ -658,7 +658,7 @@
           <a:bodyPr/>
           <a:lstStyle/>
           <a:p>
-            <a:fld id="{15DFD5D1-16E2-4281-8B78-27EDFA752C1E}" type="datetimeFigureOut">
+            <a:fld id="{47AC1DC3-E121-438A-B7EF-A644C7686673}" type="datetimeFigureOut">
               <a:rPr lang="zh-CN" altLang="en-US" smtClean="0"/>
               <a:t>2024/3/10</a:t>
             </a:fld>
@@ -671,7 +671,7 @@
           <p:cNvPr id="5" name="页脚占位符 4">
             <a:extLst>
               <a:ext uri="{FF2B5EF4-FFF2-40B4-BE49-F238E27FC236}">
-                <a16:creationId xmlns:a16="http://schemas.microsoft.com/office/drawing/2014/main" id="{65D04019-19A5-C5D4-AC13-932A7637E320}"/>
+                <a16:creationId xmlns:a16="http://schemas.microsoft.com/office/drawing/2014/main" id="{B42C7E76-F725-D149-C225-02C8BBAE9E63}"/>
               </a:ext>
             </a:extLst>
           </p:cNvPr>
@@ -696,7 +696,7 @@
           <p:cNvPr id="6" name="灯片编号占位符 5">
             <a:extLst>
               <a:ext uri="{FF2B5EF4-FFF2-40B4-BE49-F238E27FC236}">
-                <a16:creationId xmlns:a16="http://schemas.microsoft.com/office/drawing/2014/main" id="{83D472C4-7762-208D-4663-1575B0D67CF1}"/>
+                <a16:creationId xmlns:a16="http://schemas.microsoft.com/office/drawing/2014/main" id="{7B477DB7-99A2-EE85-C3DC-E975AB78C49C}"/>
               </a:ext>
             </a:extLst>
           </p:cNvPr>
@@ -712,7 +712,7 @@
           <a:bodyPr/>
           <a:lstStyle/>
           <a:p>
-            <a:fld id="{73D4F897-1E63-4F2A-86C0-954CF3875157}" type="slidenum">
+            <a:fld id="{D683684F-FF95-4E0C-87F3-8892C6320E6F}" type="slidenum">
               <a:rPr lang="zh-CN" altLang="en-US" smtClean="0"/>
               <a:t>‹#›</a:t>
             </a:fld>
@@ -723,7 +723,7 @@
     </p:spTree>
     <p:extLst>
       <p:ext uri="{BB962C8B-B14F-4D97-AF65-F5344CB8AC3E}">
-        <p14:creationId xmlns:p14="http://schemas.microsoft.com/office/powerpoint/2010/main" val="1842904081"/>
+        <p14:creationId xmlns:p14="http://schemas.microsoft.com/office/powerpoint/2010/main" val="1437126480"/>
       </p:ext>
     </p:extLst>
   </p:cSld>
@@ -755,7 +755,7 @@
           <p:cNvPr id="2" name="标题 1">
             <a:extLst>
               <a:ext uri="{FF2B5EF4-FFF2-40B4-BE49-F238E27FC236}">
-                <a16:creationId xmlns:a16="http://schemas.microsoft.com/office/drawing/2014/main" id="{60BA52C6-859D-7893-7739-175CFE283CB0}"/>
+                <a16:creationId xmlns:a16="http://schemas.microsoft.com/office/drawing/2014/main" id="{EF2DEA0B-7CCD-D33C-A0A0-7B5ABAD6EC49}"/>
               </a:ext>
             </a:extLst>
           </p:cNvPr>
@@ -783,7 +783,7 @@
           <p:cNvPr id="3" name="内容占位符 2">
             <a:extLst>
               <a:ext uri="{FF2B5EF4-FFF2-40B4-BE49-F238E27FC236}">
-                <a16:creationId xmlns:a16="http://schemas.microsoft.com/office/drawing/2014/main" id="{2C6CD502-3048-C000-E85B-9A778B5EE9F2}"/>
+                <a16:creationId xmlns:a16="http://schemas.microsoft.com/office/drawing/2014/main" id="{1ABC753E-182C-A9F7-5DCA-775E2B942266}"/>
               </a:ext>
             </a:extLst>
           </p:cNvPr>
@@ -840,7 +840,7 @@
           <p:cNvPr id="4" name="日期占位符 3">
             <a:extLst>
               <a:ext uri="{FF2B5EF4-FFF2-40B4-BE49-F238E27FC236}">
-                <a16:creationId xmlns:a16="http://schemas.microsoft.com/office/drawing/2014/main" id="{23250294-E0B6-AB98-9D0E-BFAF5E1D6970}"/>
+                <a16:creationId xmlns:a16="http://schemas.microsoft.com/office/drawing/2014/main" id="{4A372A41-7D28-551A-53CD-8369082567A7}"/>
               </a:ext>
             </a:extLst>
           </p:cNvPr>
@@ -856,7 +856,7 @@
           <a:bodyPr/>
           <a:lstStyle/>
           <a:p>
-            <a:fld id="{15DFD5D1-16E2-4281-8B78-27EDFA752C1E}" type="datetimeFigureOut">
+            <a:fld id="{47AC1DC3-E121-438A-B7EF-A644C7686673}" type="datetimeFigureOut">
               <a:rPr lang="zh-CN" altLang="en-US" smtClean="0"/>
               <a:t>2024/3/10</a:t>
             </a:fld>
@@ -869,7 +869,7 @@
           <p:cNvPr id="5" name="页脚占位符 4">
             <a:extLst>
               <a:ext uri="{FF2B5EF4-FFF2-40B4-BE49-F238E27FC236}">
-                <a16:creationId xmlns:a16="http://schemas.microsoft.com/office/drawing/2014/main" id="{6F25F447-5043-AFBB-C7B8-99EAAA2F380F}"/>
+                <a16:creationId xmlns:a16="http://schemas.microsoft.com/office/drawing/2014/main" id="{2180742E-E70D-4C2B-8313-594D81CA386C}"/>
               </a:ext>
             </a:extLst>
           </p:cNvPr>
@@ -894,7 +894,7 @@
           <p:cNvPr id="6" name="灯片编号占位符 5">
             <a:extLst>
               <a:ext uri="{FF2B5EF4-FFF2-40B4-BE49-F238E27FC236}">
-                <a16:creationId xmlns:a16="http://schemas.microsoft.com/office/drawing/2014/main" id="{C8C90D5A-D3CA-80EF-5F79-01A27E2ABD49}"/>
+                <a16:creationId xmlns:a16="http://schemas.microsoft.com/office/drawing/2014/main" id="{F1B59B78-B200-A5BB-E22E-8927F1DF4187}"/>
               </a:ext>
             </a:extLst>
           </p:cNvPr>
@@ -910,7 +910,7 @@
           <a:bodyPr/>
           <a:lstStyle/>
           <a:p>
-            <a:fld id="{73D4F897-1E63-4F2A-86C0-954CF3875157}" type="slidenum">
+            <a:fld id="{D683684F-FF95-4E0C-87F3-8892C6320E6F}" type="slidenum">
               <a:rPr lang="zh-CN" altLang="en-US" smtClean="0"/>
               <a:t>‹#›</a:t>
             </a:fld>
@@ -921,7 +921,7 @@
     </p:spTree>
     <p:extLst>
       <p:ext uri="{BB962C8B-B14F-4D97-AF65-F5344CB8AC3E}">
-        <p14:creationId xmlns:p14="http://schemas.microsoft.com/office/powerpoint/2010/main" val="4017990087"/>
+        <p14:creationId xmlns:p14="http://schemas.microsoft.com/office/powerpoint/2010/main" val="2255571646"/>
       </p:ext>
     </p:extLst>
   </p:cSld>
@@ -953,7 +953,7 @@
           <p:cNvPr id="2" name="标题 1">
             <a:extLst>
               <a:ext uri="{FF2B5EF4-FFF2-40B4-BE49-F238E27FC236}">
-                <a16:creationId xmlns:a16="http://schemas.microsoft.com/office/drawing/2014/main" id="{573F66E8-A5FB-10EA-1D27-BA367C3232BA}"/>
+                <a16:creationId xmlns:a16="http://schemas.microsoft.com/office/drawing/2014/main" id="{0834260D-205B-6E24-55BA-18A0995005F6}"/>
               </a:ext>
             </a:extLst>
           </p:cNvPr>
@@ -990,7 +990,7 @@
           <p:cNvPr id="3" name="文本占位符 2">
             <a:extLst>
               <a:ext uri="{FF2B5EF4-FFF2-40B4-BE49-F238E27FC236}">
-                <a16:creationId xmlns:a16="http://schemas.microsoft.com/office/drawing/2014/main" id="{DFBBEE19-208A-B16A-1583-6F6FA4637E48}"/>
+                <a16:creationId xmlns:a16="http://schemas.microsoft.com/office/drawing/2014/main" id="{F43E5329-E79F-0974-6D51-808DAECA7DAA}"/>
               </a:ext>
             </a:extLst>
           </p:cNvPr>
@@ -1115,7 +1115,7 @@
           <p:cNvPr id="4" name="日期占位符 3">
             <a:extLst>
               <a:ext uri="{FF2B5EF4-FFF2-40B4-BE49-F238E27FC236}">
-                <a16:creationId xmlns:a16="http://schemas.microsoft.com/office/drawing/2014/main" id="{558BCC63-5305-4DE0-E3FD-9ABC378EA6F9}"/>
+                <a16:creationId xmlns:a16="http://schemas.microsoft.com/office/drawing/2014/main" id="{9A675BE0-EEDB-AB7E-47B4-0118DF6B9B74}"/>
               </a:ext>
             </a:extLst>
           </p:cNvPr>
@@ -1131,7 +1131,7 @@
           <a:bodyPr/>
           <a:lstStyle/>
           <a:p>
-            <a:fld id="{15DFD5D1-16E2-4281-8B78-27EDFA752C1E}" type="datetimeFigureOut">
+            <a:fld id="{47AC1DC3-E121-438A-B7EF-A644C7686673}" type="datetimeFigureOut">
               <a:rPr lang="zh-CN" altLang="en-US" smtClean="0"/>
               <a:t>2024/3/10</a:t>
             </a:fld>
@@ -1144,7 +1144,7 @@
           <p:cNvPr id="5" name="页脚占位符 4">
             <a:extLst>
               <a:ext uri="{FF2B5EF4-FFF2-40B4-BE49-F238E27FC236}">
-                <a16:creationId xmlns:a16="http://schemas.microsoft.com/office/drawing/2014/main" id="{4ADA6FA4-B4D0-6053-D2C6-6F8B87ECD3A9}"/>
+                <a16:creationId xmlns:a16="http://schemas.microsoft.com/office/drawing/2014/main" id="{2F7B9801-3DB8-9FEE-1A5B-FC7CFF7E33CF}"/>
               </a:ext>
             </a:extLst>
           </p:cNvPr>
@@ -1169,7 +1169,7 @@
           <p:cNvPr id="6" name="灯片编号占位符 5">
             <a:extLst>
               <a:ext uri="{FF2B5EF4-FFF2-40B4-BE49-F238E27FC236}">
-                <a16:creationId xmlns:a16="http://schemas.microsoft.com/office/drawing/2014/main" id="{6B67240C-AB4C-977B-06DE-63412D42FA41}"/>
+                <a16:creationId xmlns:a16="http://schemas.microsoft.com/office/drawing/2014/main" id="{CA265DAF-E5DC-97AF-BFF4-2ACED7D99FA2}"/>
               </a:ext>
             </a:extLst>
           </p:cNvPr>
@@ -1185,7 +1185,7 @@
           <a:bodyPr/>
           <a:lstStyle/>
           <a:p>
-            <a:fld id="{73D4F897-1E63-4F2A-86C0-954CF3875157}" type="slidenum">
+            <a:fld id="{D683684F-FF95-4E0C-87F3-8892C6320E6F}" type="slidenum">
               <a:rPr lang="zh-CN" altLang="en-US" smtClean="0"/>
               <a:t>‹#›</a:t>
             </a:fld>
@@ -1196,7 +1196,7 @@
     </p:spTree>
     <p:extLst>
       <p:ext uri="{BB962C8B-B14F-4D97-AF65-F5344CB8AC3E}">
-        <p14:creationId xmlns:p14="http://schemas.microsoft.com/office/powerpoint/2010/main" val="655308526"/>
+        <p14:creationId xmlns:p14="http://schemas.microsoft.com/office/powerpoint/2010/main" val="2530491235"/>
       </p:ext>
     </p:extLst>
   </p:cSld>
@@ -1228,7 +1228,7 @@
           <p:cNvPr id="2" name="标题 1">
             <a:extLst>
               <a:ext uri="{FF2B5EF4-FFF2-40B4-BE49-F238E27FC236}">
-                <a16:creationId xmlns:a16="http://schemas.microsoft.com/office/drawing/2014/main" id="{4A838BF2-2E5D-A4CF-C192-C19A5E7BA6C0}"/>
+                <a16:creationId xmlns:a16="http://schemas.microsoft.com/office/drawing/2014/main" id="{3938362D-4821-07B0-49F0-A9FD8243F92B}"/>
               </a:ext>
             </a:extLst>
           </p:cNvPr>
@@ -1256,7 +1256,7 @@
           <p:cNvPr id="3" name="内容占位符 2">
             <a:extLst>
               <a:ext uri="{FF2B5EF4-FFF2-40B4-BE49-F238E27FC236}">
-                <a16:creationId xmlns:a16="http://schemas.microsoft.com/office/drawing/2014/main" id="{E76063A6-1E44-5884-5FA6-1843FF21094D}"/>
+                <a16:creationId xmlns:a16="http://schemas.microsoft.com/office/drawing/2014/main" id="{1369307A-7744-E94C-E04D-06E8E7256D3D}"/>
               </a:ext>
             </a:extLst>
           </p:cNvPr>
@@ -1318,7 +1318,7 @@
           <p:cNvPr id="4" name="内容占位符 3">
             <a:extLst>
               <a:ext uri="{FF2B5EF4-FFF2-40B4-BE49-F238E27FC236}">
-                <a16:creationId xmlns:a16="http://schemas.microsoft.com/office/drawing/2014/main" id="{77E1934A-CD31-762A-414B-1DA07905348F}"/>
+                <a16:creationId xmlns:a16="http://schemas.microsoft.com/office/drawing/2014/main" id="{9E3BFA9E-63D6-58E4-CF15-89C909CC8491}"/>
               </a:ext>
             </a:extLst>
           </p:cNvPr>
@@ -1380,7 +1380,7 @@
           <p:cNvPr id="5" name="日期占位符 4">
             <a:extLst>
               <a:ext uri="{FF2B5EF4-FFF2-40B4-BE49-F238E27FC236}">
-                <a16:creationId xmlns:a16="http://schemas.microsoft.com/office/drawing/2014/main" id="{6DC8BF22-9F0A-5600-E999-02B34979AE43}"/>
+                <a16:creationId xmlns:a16="http://schemas.microsoft.com/office/drawing/2014/main" id="{483B3A45-512B-CCC4-6D09-5DB5055651BB}"/>
               </a:ext>
             </a:extLst>
           </p:cNvPr>
@@ -1396,7 +1396,7 @@
           <a:bodyPr/>
           <a:lstStyle/>
           <a:p>
-            <a:fld id="{15DFD5D1-16E2-4281-8B78-27EDFA752C1E}" type="datetimeFigureOut">
+            <a:fld id="{47AC1DC3-E121-438A-B7EF-A644C7686673}" type="datetimeFigureOut">
               <a:rPr lang="zh-CN" altLang="en-US" smtClean="0"/>
               <a:t>2024/3/10</a:t>
             </a:fld>
@@ -1409,7 +1409,7 @@
           <p:cNvPr id="6" name="页脚占位符 5">
             <a:extLst>
               <a:ext uri="{FF2B5EF4-FFF2-40B4-BE49-F238E27FC236}">
-                <a16:creationId xmlns:a16="http://schemas.microsoft.com/office/drawing/2014/main" id="{1B30F4BC-5D49-040C-A110-B9B5B1E49BA8}"/>
+                <a16:creationId xmlns:a16="http://schemas.microsoft.com/office/drawing/2014/main" id="{347BD361-0812-8B4B-BA13-549AB591A7E9}"/>
               </a:ext>
             </a:extLst>
           </p:cNvPr>
@@ -1434,7 +1434,7 @@
           <p:cNvPr id="7" name="灯片编号占位符 6">
             <a:extLst>
               <a:ext uri="{FF2B5EF4-FFF2-40B4-BE49-F238E27FC236}">
-                <a16:creationId xmlns:a16="http://schemas.microsoft.com/office/drawing/2014/main" id="{47A77163-77E4-5F1A-5B47-BA8DF4E6A42B}"/>
+                <a16:creationId xmlns:a16="http://schemas.microsoft.com/office/drawing/2014/main" id="{546EA1CE-7F4F-4B00-FE27-1D612116A403}"/>
               </a:ext>
             </a:extLst>
           </p:cNvPr>
@@ -1450,7 +1450,7 @@
           <a:bodyPr/>
           <a:lstStyle/>
           <a:p>
-            <a:fld id="{73D4F897-1E63-4F2A-86C0-954CF3875157}" type="slidenum">
+            <a:fld id="{D683684F-FF95-4E0C-87F3-8892C6320E6F}" type="slidenum">
               <a:rPr lang="zh-CN" altLang="en-US" smtClean="0"/>
               <a:t>‹#›</a:t>
             </a:fld>
@@ -1461,7 +1461,7 @@
     </p:spTree>
     <p:extLst>
       <p:ext uri="{BB962C8B-B14F-4D97-AF65-F5344CB8AC3E}">
-        <p14:creationId xmlns:p14="http://schemas.microsoft.com/office/powerpoint/2010/main" val="1262497410"/>
+        <p14:creationId xmlns:p14="http://schemas.microsoft.com/office/powerpoint/2010/main" val="610092959"/>
       </p:ext>
     </p:extLst>
   </p:cSld>
@@ -1493,7 +1493,7 @@
           <p:cNvPr id="2" name="标题 1">
             <a:extLst>
               <a:ext uri="{FF2B5EF4-FFF2-40B4-BE49-F238E27FC236}">
-                <a16:creationId xmlns:a16="http://schemas.microsoft.com/office/drawing/2014/main" id="{56859A81-9462-6144-68E7-8A6F1D2444CB}"/>
+                <a16:creationId xmlns:a16="http://schemas.microsoft.com/office/drawing/2014/main" id="{96D977A3-159B-78CC-4D92-87D5FF2F707D}"/>
               </a:ext>
             </a:extLst>
           </p:cNvPr>
@@ -1526,7 +1526,7 @@
           <p:cNvPr id="3" name="文本占位符 2">
             <a:extLst>
               <a:ext uri="{FF2B5EF4-FFF2-40B4-BE49-F238E27FC236}">
-                <a16:creationId xmlns:a16="http://schemas.microsoft.com/office/drawing/2014/main" id="{A430023D-29C4-9CB7-3524-5E4459A8AF47}"/>
+                <a16:creationId xmlns:a16="http://schemas.microsoft.com/office/drawing/2014/main" id="{A4BC2EDB-C7AA-CD37-26C4-50C592016B74}"/>
               </a:ext>
             </a:extLst>
           </p:cNvPr>
@@ -1597,7 +1597,7 @@
           <p:cNvPr id="4" name="内容占位符 3">
             <a:extLst>
               <a:ext uri="{FF2B5EF4-FFF2-40B4-BE49-F238E27FC236}">
-                <a16:creationId xmlns:a16="http://schemas.microsoft.com/office/drawing/2014/main" id="{87DFD62F-86F4-FA16-FAAF-137406F3D3AB}"/>
+                <a16:creationId xmlns:a16="http://schemas.microsoft.com/office/drawing/2014/main" id="{6658D3D5-2531-654B-6B81-372EBD22F92B}"/>
               </a:ext>
             </a:extLst>
           </p:cNvPr>
@@ -1659,7 +1659,7 @@
           <p:cNvPr id="5" name="文本占位符 4">
             <a:extLst>
               <a:ext uri="{FF2B5EF4-FFF2-40B4-BE49-F238E27FC236}">
-                <a16:creationId xmlns:a16="http://schemas.microsoft.com/office/drawing/2014/main" id="{2D9E0F14-3423-E98F-08B2-FDAB5E1C8FA7}"/>
+                <a16:creationId xmlns:a16="http://schemas.microsoft.com/office/drawing/2014/main" id="{75B6F3E6-1792-AC8C-6642-E78C6C27FD99}"/>
               </a:ext>
             </a:extLst>
           </p:cNvPr>
@@ -1730,7 +1730,7 @@
           <p:cNvPr id="6" name="内容占位符 5">
             <a:extLst>
               <a:ext uri="{FF2B5EF4-FFF2-40B4-BE49-F238E27FC236}">
-                <a16:creationId xmlns:a16="http://schemas.microsoft.com/office/drawing/2014/main" id="{EC372FEF-285B-0014-5DDB-BCB873E5604A}"/>
+                <a16:creationId xmlns:a16="http://schemas.microsoft.com/office/drawing/2014/main" id="{72973687-D616-9ED9-373B-E1283B557A3F}"/>
               </a:ext>
             </a:extLst>
           </p:cNvPr>
@@ -1792,7 +1792,7 @@
           <p:cNvPr id="7" name="日期占位符 6">
             <a:extLst>
               <a:ext uri="{FF2B5EF4-FFF2-40B4-BE49-F238E27FC236}">
-                <a16:creationId xmlns:a16="http://schemas.microsoft.com/office/drawing/2014/main" id="{7879A3A2-25DD-C39E-90CA-5B10BEC7D126}"/>
+                <a16:creationId xmlns:a16="http://schemas.microsoft.com/office/drawing/2014/main" id="{D75C214D-ED69-CB8C-FDCD-A4E7043E6772}"/>
               </a:ext>
             </a:extLst>
           </p:cNvPr>
@@ -1808,7 +1808,7 @@
           <a:bodyPr/>
           <a:lstStyle/>
           <a:p>
-            <a:fld id="{15DFD5D1-16E2-4281-8B78-27EDFA752C1E}" type="datetimeFigureOut">
+            <a:fld id="{47AC1DC3-E121-438A-B7EF-A644C7686673}" type="datetimeFigureOut">
               <a:rPr lang="zh-CN" altLang="en-US" smtClean="0"/>
               <a:t>2024/3/10</a:t>
             </a:fld>
@@ -1821,7 +1821,7 @@
           <p:cNvPr id="8" name="页脚占位符 7">
             <a:extLst>
               <a:ext uri="{FF2B5EF4-FFF2-40B4-BE49-F238E27FC236}">
-                <a16:creationId xmlns:a16="http://schemas.microsoft.com/office/drawing/2014/main" id="{0E57D2FE-21BE-F01D-8B70-E6220F250E53}"/>
+                <a16:creationId xmlns:a16="http://schemas.microsoft.com/office/drawing/2014/main" id="{67C737C6-C169-4A5F-D8F0-F2D6D4919B3F}"/>
               </a:ext>
             </a:extLst>
           </p:cNvPr>
@@ -1846,7 +1846,7 @@
           <p:cNvPr id="9" name="灯片编号占位符 8">
             <a:extLst>
               <a:ext uri="{FF2B5EF4-FFF2-40B4-BE49-F238E27FC236}">
-                <a16:creationId xmlns:a16="http://schemas.microsoft.com/office/drawing/2014/main" id="{15698F0B-E2EE-CF44-83F7-22135190D543}"/>
+                <a16:creationId xmlns:a16="http://schemas.microsoft.com/office/drawing/2014/main" id="{2FBDEEE6-0D97-9181-12AA-B1390B360341}"/>
               </a:ext>
             </a:extLst>
           </p:cNvPr>
@@ -1862,7 +1862,7 @@
           <a:bodyPr/>
           <a:lstStyle/>
           <a:p>
-            <a:fld id="{73D4F897-1E63-4F2A-86C0-954CF3875157}" type="slidenum">
+            <a:fld id="{D683684F-FF95-4E0C-87F3-8892C6320E6F}" type="slidenum">
               <a:rPr lang="zh-CN" altLang="en-US" smtClean="0"/>
               <a:t>‹#›</a:t>
             </a:fld>
@@ -1873,7 +1873,7 @@
     </p:spTree>
     <p:extLst>
       <p:ext uri="{BB962C8B-B14F-4D97-AF65-F5344CB8AC3E}">
-        <p14:creationId xmlns:p14="http://schemas.microsoft.com/office/powerpoint/2010/main" val="1850566412"/>
+        <p14:creationId xmlns:p14="http://schemas.microsoft.com/office/powerpoint/2010/main" val="320146700"/>
       </p:ext>
     </p:extLst>
   </p:cSld>
@@ -1905,7 +1905,7 @@
           <p:cNvPr id="2" name="标题 1">
             <a:extLst>
               <a:ext uri="{FF2B5EF4-FFF2-40B4-BE49-F238E27FC236}">
-                <a16:creationId xmlns:a16="http://schemas.microsoft.com/office/drawing/2014/main" id="{A694A0B8-5832-8577-218A-4081754D2A1E}"/>
+                <a16:creationId xmlns:a16="http://schemas.microsoft.com/office/drawing/2014/main" id="{9D5A0C8E-CAD5-B431-AD4E-37C6423A0001}"/>
               </a:ext>
             </a:extLst>
           </p:cNvPr>
@@ -1933,7 +1933,7 @@
           <p:cNvPr id="3" name="日期占位符 2">
             <a:extLst>
               <a:ext uri="{FF2B5EF4-FFF2-40B4-BE49-F238E27FC236}">
-                <a16:creationId xmlns:a16="http://schemas.microsoft.com/office/drawing/2014/main" id="{FB12F9F8-106D-167C-24DB-888AD6C2ADEF}"/>
+                <a16:creationId xmlns:a16="http://schemas.microsoft.com/office/drawing/2014/main" id="{E2763614-713C-35A8-A5BD-71C3780AAEB7}"/>
               </a:ext>
             </a:extLst>
           </p:cNvPr>
@@ -1949,7 +1949,7 @@
           <a:bodyPr/>
           <a:lstStyle/>
           <a:p>
-            <a:fld id="{15DFD5D1-16E2-4281-8B78-27EDFA752C1E}" type="datetimeFigureOut">
+            <a:fld id="{47AC1DC3-E121-438A-B7EF-A644C7686673}" type="datetimeFigureOut">
               <a:rPr lang="zh-CN" altLang="en-US" smtClean="0"/>
               <a:t>2024/3/10</a:t>
             </a:fld>
@@ -1962,7 +1962,7 @@
           <p:cNvPr id="4" name="页脚占位符 3">
             <a:extLst>
               <a:ext uri="{FF2B5EF4-FFF2-40B4-BE49-F238E27FC236}">
-                <a16:creationId xmlns:a16="http://schemas.microsoft.com/office/drawing/2014/main" id="{C089022B-1474-4001-E3BD-D53440576720}"/>
+                <a16:creationId xmlns:a16="http://schemas.microsoft.com/office/drawing/2014/main" id="{220B6724-9870-099E-776B-B775E85A4B2C}"/>
               </a:ext>
             </a:extLst>
           </p:cNvPr>
@@ -1987,7 +1987,7 @@
           <p:cNvPr id="5" name="灯片编号占位符 4">
             <a:extLst>
               <a:ext uri="{FF2B5EF4-FFF2-40B4-BE49-F238E27FC236}">
-                <a16:creationId xmlns:a16="http://schemas.microsoft.com/office/drawing/2014/main" id="{6F0C9E9C-60BA-9E0F-E865-E0A4A48176D9}"/>
+                <a16:creationId xmlns:a16="http://schemas.microsoft.com/office/drawing/2014/main" id="{279954F8-7F64-E093-1F22-68AFE6422696}"/>
               </a:ext>
             </a:extLst>
           </p:cNvPr>
@@ -2003,7 +2003,7 @@
           <a:bodyPr/>
           <a:lstStyle/>
           <a:p>
-            <a:fld id="{73D4F897-1E63-4F2A-86C0-954CF3875157}" type="slidenum">
+            <a:fld id="{D683684F-FF95-4E0C-87F3-8892C6320E6F}" type="slidenum">
               <a:rPr lang="zh-CN" altLang="en-US" smtClean="0"/>
               <a:t>‹#›</a:t>
             </a:fld>
@@ -2014,7 +2014,7 @@
     </p:spTree>
     <p:extLst>
       <p:ext uri="{BB962C8B-B14F-4D97-AF65-F5344CB8AC3E}">
-        <p14:creationId xmlns:p14="http://schemas.microsoft.com/office/powerpoint/2010/main" val="3299018711"/>
+        <p14:creationId xmlns:p14="http://schemas.microsoft.com/office/powerpoint/2010/main" val="879993312"/>
       </p:ext>
     </p:extLst>
   </p:cSld>
@@ -2046,7 +2046,7 @@
           <p:cNvPr id="2" name="日期占位符 1">
             <a:extLst>
               <a:ext uri="{FF2B5EF4-FFF2-40B4-BE49-F238E27FC236}">
-                <a16:creationId xmlns:a16="http://schemas.microsoft.com/office/drawing/2014/main" id="{6856AB4C-D1B3-59E7-AC46-C400D1504310}"/>
+                <a16:creationId xmlns:a16="http://schemas.microsoft.com/office/drawing/2014/main" id="{0EFAE18C-E621-CAC5-A85C-3DF77EC44C42}"/>
               </a:ext>
             </a:extLst>
           </p:cNvPr>
@@ -2062,7 +2062,7 @@
           <a:bodyPr/>
           <a:lstStyle/>
           <a:p>
-            <a:fld id="{15DFD5D1-16E2-4281-8B78-27EDFA752C1E}" type="datetimeFigureOut">
+            <a:fld id="{47AC1DC3-E121-438A-B7EF-A644C7686673}" type="datetimeFigureOut">
               <a:rPr lang="zh-CN" altLang="en-US" smtClean="0"/>
               <a:t>2024/3/10</a:t>
             </a:fld>
@@ -2075,7 +2075,7 @@
           <p:cNvPr id="3" name="页脚占位符 2">
             <a:extLst>
               <a:ext uri="{FF2B5EF4-FFF2-40B4-BE49-F238E27FC236}">
-                <a16:creationId xmlns:a16="http://schemas.microsoft.com/office/drawing/2014/main" id="{C380DEE9-420D-2B42-DE53-EDB3204A362D}"/>
+                <a16:creationId xmlns:a16="http://schemas.microsoft.com/office/drawing/2014/main" id="{3DFC4F71-8005-D784-42A1-AB40A717716D}"/>
               </a:ext>
             </a:extLst>
           </p:cNvPr>
@@ -2100,7 +2100,7 @@
           <p:cNvPr id="4" name="灯片编号占位符 3">
             <a:extLst>
               <a:ext uri="{FF2B5EF4-FFF2-40B4-BE49-F238E27FC236}">
-                <a16:creationId xmlns:a16="http://schemas.microsoft.com/office/drawing/2014/main" id="{F42EA19B-5D77-2A6F-E05D-7B7D88BB55E7}"/>
+                <a16:creationId xmlns:a16="http://schemas.microsoft.com/office/drawing/2014/main" id="{0A3916E1-57DD-D9B7-A52B-E889A5956543}"/>
               </a:ext>
             </a:extLst>
           </p:cNvPr>
@@ -2116,7 +2116,7 @@
           <a:bodyPr/>
           <a:lstStyle/>
           <a:p>
-            <a:fld id="{73D4F897-1E63-4F2A-86C0-954CF3875157}" type="slidenum">
+            <a:fld id="{D683684F-FF95-4E0C-87F3-8892C6320E6F}" type="slidenum">
               <a:rPr lang="zh-CN" altLang="en-US" smtClean="0"/>
               <a:t>‹#›</a:t>
             </a:fld>
@@ -2127,7 +2127,7 @@
     </p:spTree>
     <p:extLst>
       <p:ext uri="{BB962C8B-B14F-4D97-AF65-F5344CB8AC3E}">
-        <p14:creationId xmlns:p14="http://schemas.microsoft.com/office/powerpoint/2010/main" val="2415035202"/>
+        <p14:creationId xmlns:p14="http://schemas.microsoft.com/office/powerpoint/2010/main" val="1672532459"/>
       </p:ext>
     </p:extLst>
   </p:cSld>
@@ -2159,7 +2159,7 @@
           <p:cNvPr id="2" name="标题 1">
             <a:extLst>
               <a:ext uri="{FF2B5EF4-FFF2-40B4-BE49-F238E27FC236}">
-                <a16:creationId xmlns:a16="http://schemas.microsoft.com/office/drawing/2014/main" id="{AD85390E-57D5-2C4F-1726-B13CFE457FD7}"/>
+                <a16:creationId xmlns:a16="http://schemas.microsoft.com/office/drawing/2014/main" id="{B46720FE-0222-3C3C-C1A3-CEBBE0D61ED1}"/>
               </a:ext>
             </a:extLst>
           </p:cNvPr>
@@ -2196,7 +2196,7 @@
           <p:cNvPr id="3" name="内容占位符 2">
             <a:extLst>
               <a:ext uri="{FF2B5EF4-FFF2-40B4-BE49-F238E27FC236}">
-                <a16:creationId xmlns:a16="http://schemas.microsoft.com/office/drawing/2014/main" id="{9E43CAED-03A0-B43E-E2BA-18778BC2917F}"/>
+                <a16:creationId xmlns:a16="http://schemas.microsoft.com/office/drawing/2014/main" id="{458EBD62-02C7-6763-D91B-ABFC973AE509}"/>
               </a:ext>
             </a:extLst>
           </p:cNvPr>
@@ -2286,7 +2286,7 @@
           <p:cNvPr id="4" name="文本占位符 3">
             <a:extLst>
               <a:ext uri="{FF2B5EF4-FFF2-40B4-BE49-F238E27FC236}">
-                <a16:creationId xmlns:a16="http://schemas.microsoft.com/office/drawing/2014/main" id="{835CE588-0DF4-736F-D944-5FE5E72D4C47}"/>
+                <a16:creationId xmlns:a16="http://schemas.microsoft.com/office/drawing/2014/main" id="{6F4DEEB5-9DBF-167F-1507-7CC17874BDFB}"/>
               </a:ext>
             </a:extLst>
           </p:cNvPr>
@@ -2357,7 +2357,7 @@
           <p:cNvPr id="5" name="日期占位符 4">
             <a:extLst>
               <a:ext uri="{FF2B5EF4-FFF2-40B4-BE49-F238E27FC236}">
-                <a16:creationId xmlns:a16="http://schemas.microsoft.com/office/drawing/2014/main" id="{73B3E49A-021B-A1F3-F822-9B6A619556F6}"/>
+                <a16:creationId xmlns:a16="http://schemas.microsoft.com/office/drawing/2014/main" id="{087DB69C-6002-5FD0-192D-9871B9F565B0}"/>
               </a:ext>
             </a:extLst>
           </p:cNvPr>
@@ -2373,7 +2373,7 @@
           <a:bodyPr/>
           <a:lstStyle/>
           <a:p>
-            <a:fld id="{15DFD5D1-16E2-4281-8B78-27EDFA752C1E}" type="datetimeFigureOut">
+            <a:fld id="{47AC1DC3-E121-438A-B7EF-A644C7686673}" type="datetimeFigureOut">
               <a:rPr lang="zh-CN" altLang="en-US" smtClean="0"/>
               <a:t>2024/3/10</a:t>
             </a:fld>
@@ -2386,7 +2386,7 @@
           <p:cNvPr id="6" name="页脚占位符 5">
             <a:extLst>
               <a:ext uri="{FF2B5EF4-FFF2-40B4-BE49-F238E27FC236}">
-                <a16:creationId xmlns:a16="http://schemas.microsoft.com/office/drawing/2014/main" id="{1398F6CD-17E8-0765-C873-BCFDF1FFFC02}"/>
+                <a16:creationId xmlns:a16="http://schemas.microsoft.com/office/drawing/2014/main" id="{7666CBC1-E12B-4E5F-F37C-A02497942536}"/>
               </a:ext>
             </a:extLst>
           </p:cNvPr>
@@ -2411,7 +2411,7 @@
           <p:cNvPr id="7" name="灯片编号占位符 6">
             <a:extLst>
               <a:ext uri="{FF2B5EF4-FFF2-40B4-BE49-F238E27FC236}">
-                <a16:creationId xmlns:a16="http://schemas.microsoft.com/office/drawing/2014/main" id="{3F389695-2A78-D50D-51D6-36B901F126EC}"/>
+                <a16:creationId xmlns:a16="http://schemas.microsoft.com/office/drawing/2014/main" id="{4E4F1762-CA64-2D44-97EF-B8F08DCDB74E}"/>
               </a:ext>
             </a:extLst>
           </p:cNvPr>
@@ -2427,7 +2427,7 @@
           <a:bodyPr/>
           <a:lstStyle/>
           <a:p>
-            <a:fld id="{73D4F897-1E63-4F2A-86C0-954CF3875157}" type="slidenum">
+            <a:fld id="{D683684F-FF95-4E0C-87F3-8892C6320E6F}" type="slidenum">
               <a:rPr lang="zh-CN" altLang="en-US" smtClean="0"/>
               <a:t>‹#›</a:t>
             </a:fld>
@@ -2438,7 +2438,7 @@
     </p:spTree>
     <p:extLst>
       <p:ext uri="{BB962C8B-B14F-4D97-AF65-F5344CB8AC3E}">
-        <p14:creationId xmlns:p14="http://schemas.microsoft.com/office/powerpoint/2010/main" val="3846624616"/>
+        <p14:creationId xmlns:p14="http://schemas.microsoft.com/office/powerpoint/2010/main" val="810903933"/>
       </p:ext>
     </p:extLst>
   </p:cSld>
@@ -2470,7 +2470,7 @@
           <p:cNvPr id="2" name="标题 1">
             <a:extLst>
               <a:ext uri="{FF2B5EF4-FFF2-40B4-BE49-F238E27FC236}">
-                <a16:creationId xmlns:a16="http://schemas.microsoft.com/office/drawing/2014/main" id="{78CE8708-97CC-67E5-99A7-6F58EC2347D4}"/>
+                <a16:creationId xmlns:a16="http://schemas.microsoft.com/office/drawing/2014/main" id="{9F212D7B-525E-4897-209F-73F2862944DC}"/>
               </a:ext>
             </a:extLst>
           </p:cNvPr>
@@ -2507,7 +2507,7 @@
           <p:cNvPr id="3" name="图片占位符 2">
             <a:extLst>
               <a:ext uri="{FF2B5EF4-FFF2-40B4-BE49-F238E27FC236}">
-                <a16:creationId xmlns:a16="http://schemas.microsoft.com/office/drawing/2014/main" id="{B4DCBD21-4026-D869-61CD-3CD37847981A}"/>
+                <a16:creationId xmlns:a16="http://schemas.microsoft.com/office/drawing/2014/main" id="{425922AA-F92B-2ED9-31E1-4889C24E83D1}"/>
               </a:ext>
             </a:extLst>
           </p:cNvPr>
@@ -2574,7 +2574,7 @@
           <p:cNvPr id="4" name="文本占位符 3">
             <a:extLst>
               <a:ext uri="{FF2B5EF4-FFF2-40B4-BE49-F238E27FC236}">
-                <a16:creationId xmlns:a16="http://schemas.microsoft.com/office/drawing/2014/main" id="{1E79379B-D2C6-0ACA-76C4-129463BF90E2}"/>
+                <a16:creationId xmlns:a16="http://schemas.microsoft.com/office/drawing/2014/main" id="{C7E06F9C-72A5-AC9E-CA87-05BB069CD592}"/>
               </a:ext>
             </a:extLst>
           </p:cNvPr>
@@ -2645,7 +2645,7 @@
           <p:cNvPr id="5" name="日期占位符 4">
             <a:extLst>
               <a:ext uri="{FF2B5EF4-FFF2-40B4-BE49-F238E27FC236}">
-                <a16:creationId xmlns:a16="http://schemas.microsoft.com/office/drawing/2014/main" id="{67792299-1B4E-4DBA-42AB-4CCE89E054E2}"/>
+                <a16:creationId xmlns:a16="http://schemas.microsoft.com/office/drawing/2014/main" id="{96DA33DD-AC48-1BFA-D72A-98401475B2DB}"/>
               </a:ext>
             </a:extLst>
           </p:cNvPr>
@@ -2661,7 +2661,7 @@
           <a:bodyPr/>
           <a:lstStyle/>
           <a:p>
-            <a:fld id="{15DFD5D1-16E2-4281-8B78-27EDFA752C1E}" type="datetimeFigureOut">
+            <a:fld id="{47AC1DC3-E121-438A-B7EF-A644C7686673}" type="datetimeFigureOut">
               <a:rPr lang="zh-CN" altLang="en-US" smtClean="0"/>
               <a:t>2024/3/10</a:t>
             </a:fld>
@@ -2674,7 +2674,7 @@
           <p:cNvPr id="6" name="页脚占位符 5">
             <a:extLst>
               <a:ext uri="{FF2B5EF4-FFF2-40B4-BE49-F238E27FC236}">
-                <a16:creationId xmlns:a16="http://schemas.microsoft.com/office/drawing/2014/main" id="{5E5BE540-946B-E280-13EE-5115BAB92C11}"/>
+                <a16:creationId xmlns:a16="http://schemas.microsoft.com/office/drawing/2014/main" id="{AD25C44D-F25B-FF00-DFE5-B682B26FEE55}"/>
               </a:ext>
             </a:extLst>
           </p:cNvPr>
@@ -2699,7 +2699,7 @@
           <p:cNvPr id="7" name="灯片编号占位符 6">
             <a:extLst>
               <a:ext uri="{FF2B5EF4-FFF2-40B4-BE49-F238E27FC236}">
-                <a16:creationId xmlns:a16="http://schemas.microsoft.com/office/drawing/2014/main" id="{087B7000-A028-986E-D188-3951D4F48F7F}"/>
+                <a16:creationId xmlns:a16="http://schemas.microsoft.com/office/drawing/2014/main" id="{9F622607-8FE1-9E2D-8FF5-998A82BFB930}"/>
               </a:ext>
             </a:extLst>
           </p:cNvPr>
@@ -2715,7 +2715,7 @@
           <a:bodyPr/>
           <a:lstStyle/>
           <a:p>
-            <a:fld id="{73D4F897-1E63-4F2A-86C0-954CF3875157}" type="slidenum">
+            <a:fld id="{D683684F-FF95-4E0C-87F3-8892C6320E6F}" type="slidenum">
               <a:rPr lang="zh-CN" altLang="en-US" smtClean="0"/>
               <a:t>‹#›</a:t>
             </a:fld>
@@ -2726,7 +2726,7 @@
     </p:spTree>
     <p:extLst>
       <p:ext uri="{BB962C8B-B14F-4D97-AF65-F5344CB8AC3E}">
-        <p14:creationId xmlns:p14="http://schemas.microsoft.com/office/powerpoint/2010/main" val="429665150"/>
+        <p14:creationId xmlns:p14="http://schemas.microsoft.com/office/powerpoint/2010/main" val="3917661037"/>
       </p:ext>
     </p:extLst>
   </p:cSld>
@@ -2763,7 +2763,7 @@
           <p:cNvPr id="2" name="标题占位符 1">
             <a:extLst>
               <a:ext uri="{FF2B5EF4-FFF2-40B4-BE49-F238E27FC236}">
-                <a16:creationId xmlns:a16="http://schemas.microsoft.com/office/drawing/2014/main" id="{1285D5F9-5585-2E1C-5EA4-A08BE2458EA5}"/>
+                <a16:creationId xmlns:a16="http://schemas.microsoft.com/office/drawing/2014/main" id="{1E0E9530-F2BA-A5EE-88CE-2A46729E1A3D}"/>
               </a:ext>
             </a:extLst>
           </p:cNvPr>
@@ -2801,7 +2801,7 @@
           <p:cNvPr id="3" name="文本占位符 2">
             <a:extLst>
               <a:ext uri="{FF2B5EF4-FFF2-40B4-BE49-F238E27FC236}">
-                <a16:creationId xmlns:a16="http://schemas.microsoft.com/office/drawing/2014/main" id="{A6795B67-CFFE-48EE-C6E2-C43B1B1B6CCC}"/>
+                <a16:creationId xmlns:a16="http://schemas.microsoft.com/office/drawing/2014/main" id="{8C1396F0-19A6-7501-E834-8A66D58B8005}"/>
               </a:ext>
             </a:extLst>
           </p:cNvPr>
@@ -2868,7 +2868,7 @@
           <p:cNvPr id="4" name="日期占位符 3">
             <a:extLst>
               <a:ext uri="{FF2B5EF4-FFF2-40B4-BE49-F238E27FC236}">
-                <a16:creationId xmlns:a16="http://schemas.microsoft.com/office/drawing/2014/main" id="{2BBC4562-E45E-CC44-58A9-831C743C8283}"/>
+                <a16:creationId xmlns:a16="http://schemas.microsoft.com/office/drawing/2014/main" id="{AF7165E5-93BF-DD49-DA38-FD26620B9275}"/>
               </a:ext>
             </a:extLst>
           </p:cNvPr>
@@ -2902,7 +2902,7 @@
             </a:lvl1pPr>
           </a:lstStyle>
           <a:p>
-            <a:fld id="{15DFD5D1-16E2-4281-8B78-27EDFA752C1E}" type="datetimeFigureOut">
+            <a:fld id="{47AC1DC3-E121-438A-B7EF-A644C7686673}" type="datetimeFigureOut">
               <a:rPr lang="zh-CN" altLang="en-US" smtClean="0"/>
               <a:t>2024/3/10</a:t>
             </a:fld>
@@ -2915,7 +2915,7 @@
           <p:cNvPr id="5" name="页脚占位符 4">
             <a:extLst>
               <a:ext uri="{FF2B5EF4-FFF2-40B4-BE49-F238E27FC236}">
-                <a16:creationId xmlns:a16="http://schemas.microsoft.com/office/drawing/2014/main" id="{80E31894-4D56-5714-9FD3-2770C085E406}"/>
+                <a16:creationId xmlns:a16="http://schemas.microsoft.com/office/drawing/2014/main" id="{83FEB0C1-25E8-4AD7-2DAC-BB6FE387B59C}"/>
               </a:ext>
             </a:extLst>
           </p:cNvPr>
@@ -2958,7 +2958,7 @@
           <p:cNvPr id="6" name="灯片编号占位符 5">
             <a:extLst>
               <a:ext uri="{FF2B5EF4-FFF2-40B4-BE49-F238E27FC236}">
-                <a16:creationId xmlns:a16="http://schemas.microsoft.com/office/drawing/2014/main" id="{0FDC635C-1ACC-2EDA-3373-B29638BFA998}"/>
+                <a16:creationId xmlns:a16="http://schemas.microsoft.com/office/drawing/2014/main" id="{F387D958-C7F1-A837-C448-1C70609DB5A0}"/>
               </a:ext>
             </a:extLst>
           </p:cNvPr>
@@ -2992,7 +2992,7 @@
             </a:lvl1pPr>
           </a:lstStyle>
           <a:p>
-            <a:fld id="{73D4F897-1E63-4F2A-86C0-954CF3875157}" type="slidenum">
+            <a:fld id="{D683684F-FF95-4E0C-87F3-8892C6320E6F}" type="slidenum">
               <a:rPr lang="zh-CN" altLang="en-US" smtClean="0"/>
               <a:t>‹#›</a:t>
             </a:fld>
@@ -3003,7 +3003,7 @@
     </p:spTree>
     <p:extLst>
       <p:ext uri="{BB962C8B-B14F-4D97-AF65-F5344CB8AC3E}">
-        <p14:creationId xmlns:p14="http://schemas.microsoft.com/office/powerpoint/2010/main" val="659296908"/>
+        <p14:creationId xmlns:p14="http://schemas.microsoft.com/office/powerpoint/2010/main" val="237161225"/>
       </p:ext>
     </p:extLst>
   </p:cSld>
@@ -3323,7 +3323,7 @@
       </p:grpSpPr>
       <p:pic>
         <p:nvPicPr>
-          <p:cNvPr id="1146882" name="Picture 2" descr="1119"/>
+          <p:cNvPr id="1147906" name="Picture 2" descr="1120"/>
           <p:cNvPicPr>
             <a:picLocks noChangeAspect="1" noChangeArrowheads="1"/>
           </p:cNvPicPr>
@@ -3345,7 +3345,7 @@
         <p:spPr bwMode="auto">
           <a:xfrm>
             <a:off x="1524000" y="0"/>
-            <a:ext cx="9144000" cy="6858000"/>
+            <a:ext cx="9144000" cy="6237288"/>
           </a:xfrm>
           <a:prstGeom prst="rect">
             <a:avLst/>
@@ -3377,7 +3377,7 @@
       </p:pic>
       <p:pic>
         <p:nvPicPr>
-          <p:cNvPr id="1147907" name="Picture 3" descr="1119-2"/>
+          <p:cNvPr id="1148931" name="Picture 3" descr="1120-2"/>
           <p:cNvPicPr>
             <a:picLocks noChangeAspect="1" noChangeArrowheads="1"/>
           </p:cNvPicPr>
@@ -3398,8 +3398,8 @@
         </p:blipFill>
         <p:spPr bwMode="auto">
           <a:xfrm>
-            <a:off x="1524000" y="0"/>
-            <a:ext cx="9144000" cy="6858000"/>
+            <a:off x="1524000" y="1"/>
+            <a:ext cx="9144000" cy="6308725"/>
           </a:xfrm>
           <a:prstGeom prst="rect">
             <a:avLst/>
@@ -3478,7 +3478,7 @@
                                           </p:stCondLst>
                                         </p:cTn>
                                         <p:tgtEl>
-                                          <p:spTgt spid="1147907"/>
+                                          <p:spTgt spid="1148931"/>
                                         </p:tgtEl>
                                         <p:attrNameLst>
                                           <p:attrName>style.visibility</p:attrName>
@@ -3492,7 +3492,7 @@
                                       <p:cBhvr>
                                         <p:cTn id="7" dur="500"/>
                                         <p:tgtEl>
-                                          <p:spTgt spid="1147907"/>
+                                          <p:spTgt spid="1148931"/>
                                         </p:tgtEl>
                                       </p:cBhvr>
                                     </p:animEffect>
